--- a/yabuki-a/PM演習矢吹a/体制図.pptx
+++ b/yabuki-a/PM演習矢吹a/体制図.pptx
@@ -243,7 +243,7 @@
           <a:p>
             <a:fld id="{1AB47A37-0B9B-4777-B91B-1C7C4CDB1BBD}" type="datetimeFigureOut">
               <a:rPr kumimoji="1" lang="ja-JP" altLang="en-US" smtClean="0"/>
-              <a:t>2014/5/16</a:t>
+              <a:t>2014/6/2</a:t>
             </a:fld>
             <a:endParaRPr kumimoji="1" lang="ja-JP" altLang="en-US"/>
           </a:p>
@@ -445,7 +445,7 @@
           <a:p>
             <a:fld id="{1AB47A37-0B9B-4777-B91B-1C7C4CDB1BBD}" type="datetimeFigureOut">
               <a:rPr kumimoji="1" lang="ja-JP" altLang="en-US" smtClean="0"/>
-              <a:t>2014/5/16</a:t>
+              <a:t>2014/6/2</a:t>
             </a:fld>
             <a:endParaRPr kumimoji="1" lang="ja-JP" altLang="en-US"/>
           </a:p>
@@ -657,7 +657,7 @@
           <a:p>
             <a:fld id="{1AB47A37-0B9B-4777-B91B-1C7C4CDB1BBD}" type="datetimeFigureOut">
               <a:rPr kumimoji="1" lang="ja-JP" altLang="en-US" smtClean="0"/>
-              <a:t>2014/5/16</a:t>
+              <a:t>2014/6/2</a:t>
             </a:fld>
             <a:endParaRPr kumimoji="1" lang="ja-JP" altLang="en-US"/>
           </a:p>
@@ -859,7 +859,7 @@
           <a:p>
             <a:fld id="{1AB47A37-0B9B-4777-B91B-1C7C4CDB1BBD}" type="datetimeFigureOut">
               <a:rPr kumimoji="1" lang="ja-JP" altLang="en-US" smtClean="0"/>
-              <a:t>2014/5/16</a:t>
+              <a:t>2014/6/2</a:t>
             </a:fld>
             <a:endParaRPr kumimoji="1" lang="ja-JP" altLang="en-US"/>
           </a:p>
@@ -1105,7 +1105,7 @@
           <a:p>
             <a:fld id="{1AB47A37-0B9B-4777-B91B-1C7C4CDB1BBD}" type="datetimeFigureOut">
               <a:rPr kumimoji="1" lang="ja-JP" altLang="en-US" smtClean="0"/>
-              <a:t>2014/5/16</a:t>
+              <a:t>2014/6/2</a:t>
             </a:fld>
             <a:endParaRPr kumimoji="1" lang="ja-JP" altLang="en-US"/>
           </a:p>
@@ -1401,7 +1401,7 @@
           <a:p>
             <a:fld id="{1AB47A37-0B9B-4777-B91B-1C7C4CDB1BBD}" type="datetimeFigureOut">
               <a:rPr kumimoji="1" lang="ja-JP" altLang="en-US" smtClean="0"/>
-              <a:t>2014/5/16</a:t>
+              <a:t>2014/6/2</a:t>
             </a:fld>
             <a:endParaRPr kumimoji="1" lang="ja-JP" altLang="en-US"/>
           </a:p>
@@ -1832,7 +1832,7 @@
           <a:p>
             <a:fld id="{1AB47A37-0B9B-4777-B91B-1C7C4CDB1BBD}" type="datetimeFigureOut">
               <a:rPr kumimoji="1" lang="ja-JP" altLang="en-US" smtClean="0"/>
-              <a:t>2014/5/16</a:t>
+              <a:t>2014/6/2</a:t>
             </a:fld>
             <a:endParaRPr kumimoji="1" lang="ja-JP" altLang="en-US"/>
           </a:p>
@@ -1950,7 +1950,7 @@
           <a:p>
             <a:fld id="{1AB47A37-0B9B-4777-B91B-1C7C4CDB1BBD}" type="datetimeFigureOut">
               <a:rPr kumimoji="1" lang="ja-JP" altLang="en-US" smtClean="0"/>
-              <a:t>2014/5/16</a:t>
+              <a:t>2014/6/2</a:t>
             </a:fld>
             <a:endParaRPr kumimoji="1" lang="ja-JP" altLang="en-US"/>
           </a:p>
@@ -2045,7 +2045,7 @@
           <a:p>
             <a:fld id="{1AB47A37-0B9B-4777-B91B-1C7C4CDB1BBD}" type="datetimeFigureOut">
               <a:rPr kumimoji="1" lang="ja-JP" altLang="en-US" smtClean="0"/>
-              <a:t>2014/5/16</a:t>
+              <a:t>2014/6/2</a:t>
             </a:fld>
             <a:endParaRPr kumimoji="1" lang="ja-JP" altLang="en-US"/>
           </a:p>
@@ -2354,7 +2354,7 @@
           <a:p>
             <a:fld id="{1AB47A37-0B9B-4777-B91B-1C7C4CDB1BBD}" type="datetimeFigureOut">
               <a:rPr kumimoji="1" lang="ja-JP" altLang="en-US" smtClean="0"/>
-              <a:t>2014/5/16</a:t>
+              <a:t>2014/6/2</a:t>
             </a:fld>
             <a:endParaRPr kumimoji="1" lang="ja-JP" altLang="en-US"/>
           </a:p>
@@ -2607,7 +2607,7 @@
           <a:p>
             <a:fld id="{1AB47A37-0B9B-4777-B91B-1C7C4CDB1BBD}" type="datetimeFigureOut">
               <a:rPr kumimoji="1" lang="ja-JP" altLang="en-US" smtClean="0"/>
-              <a:t>2014/5/16</a:t>
+              <a:t>2014/6/2</a:t>
             </a:fld>
             <a:endParaRPr kumimoji="1" lang="ja-JP" altLang="en-US"/>
           </a:p>
@@ -2852,7 +2852,7 @@
           <a:p>
             <a:fld id="{1AB47A37-0B9B-4777-B91B-1C7C4CDB1BBD}" type="datetimeFigureOut">
               <a:rPr kumimoji="1" lang="ja-JP" altLang="en-US" smtClean="0"/>
-              <a:t>2014/5/16</a:t>
+              <a:t>2014/6/2</a:t>
             </a:fld>
             <a:endParaRPr kumimoji="1" lang="ja-JP" altLang="en-US"/>
           </a:p>
@@ -3499,23 +3499,7 @@
                   <a:schemeClr val="tx1"/>
                 </a:solidFill>
               </a:rPr>
-              <a:t>三宅</a:t>
-            </a:r>
-            <a:r>
-              <a:rPr kumimoji="1" lang="ja-JP" altLang="en-US" b="1" dirty="0" smtClean="0">
-                <a:solidFill>
-                  <a:schemeClr val="tx1"/>
-                </a:solidFill>
-              </a:rPr>
-              <a:t>　琢</a:t>
-            </a:r>
-            <a:r>
-              <a:rPr kumimoji="1" lang="ja-JP" altLang="en-US" b="1" dirty="0" smtClean="0">
-                <a:solidFill>
-                  <a:schemeClr val="tx1"/>
-                </a:solidFill>
-              </a:rPr>
-              <a:t>己</a:t>
+              <a:t>三宅　琢己</a:t>
             </a:r>
             <a:endParaRPr kumimoji="1" lang="en-US" altLang="ja-JP" b="1" dirty="0" smtClean="0">
               <a:solidFill>
@@ -3746,15 +3730,7 @@
                   <a:schemeClr val="tx1"/>
                 </a:solidFill>
               </a:rPr>
-              <a:t>：</a:t>
-            </a:r>
-            <a:r>
-              <a:rPr lang="ja-JP" altLang="en-US" b="1" dirty="0" smtClean="0">
-                <a:solidFill>
-                  <a:schemeClr val="tx1"/>
-                </a:solidFill>
-              </a:rPr>
-              <a:t>小池　克人</a:t>
+              <a:t>：小池　克人</a:t>
             </a:r>
             <a:endParaRPr lang="en-US" altLang="ja-JP" b="1" dirty="0" smtClean="0">
               <a:solidFill>
@@ -4013,6 +3989,96 @@
           <a:xfrm flipV="1">
             <a:off x="3705043" y="3591804"/>
             <a:ext cx="1414731" cy="910234"/>
+          </a:xfrm>
+          <a:prstGeom prst="straightConnector1">
+            <a:avLst/>
+          </a:prstGeom>
+          <a:ln w="31750">
+            <a:solidFill>
+              <a:schemeClr val="tx1"/>
+            </a:solidFill>
+            <a:headEnd type="triangle"/>
+            <a:tailEnd type="triangle"/>
+          </a:ln>
+        </p:spPr>
+        <p:style>
+          <a:lnRef idx="1">
+            <a:schemeClr val="accent1"/>
+          </a:lnRef>
+          <a:fillRef idx="0">
+            <a:schemeClr val="accent1"/>
+          </a:fillRef>
+          <a:effectRef idx="0">
+            <a:schemeClr val="accent1"/>
+          </a:effectRef>
+          <a:fontRef idx="minor">
+            <a:schemeClr val="tx1"/>
+          </a:fontRef>
+        </p:style>
+      </p:cxnSp>
+      <p:sp>
+        <p:nvSpPr>
+          <p:cNvPr id="16" name="正方形/長方形 15"/>
+          <p:cNvSpPr/>
+          <p:nvPr/>
+        </p:nvSpPr>
+        <p:spPr>
+          <a:xfrm>
+            <a:off x="4239917" y="5974094"/>
+            <a:ext cx="4813466" cy="655608"/>
+          </a:xfrm>
+          <a:prstGeom prst="rect">
+            <a:avLst/>
+          </a:prstGeom>
+          <a:noFill/>
+        </p:spPr>
+        <p:style>
+          <a:lnRef idx="2">
+            <a:schemeClr val="accent1">
+              <a:shade val="50000"/>
+            </a:schemeClr>
+          </a:lnRef>
+          <a:fillRef idx="1">
+            <a:schemeClr val="accent1"/>
+          </a:fillRef>
+          <a:effectRef idx="0">
+            <a:schemeClr val="accent1"/>
+          </a:effectRef>
+          <a:fontRef idx="minor">
+            <a:schemeClr val="lt1"/>
+          </a:fontRef>
+        </p:style>
+        <p:txBody>
+          <a:bodyPr rtlCol="0" anchor="ctr"/>
+          <a:lstStyle/>
+          <a:p>
+            <a:pPr algn="ctr"/>
+            <a:r>
+              <a:rPr kumimoji="1" lang="ja-JP" altLang="en-US" b="1" dirty="0" smtClean="0">
+                <a:solidFill>
+                  <a:schemeClr val="tx1"/>
+                </a:solidFill>
+              </a:rPr>
+              <a:t>連絡</a:t>
+            </a:r>
+            <a:endParaRPr kumimoji="1" lang="ja-JP" altLang="en-US" b="1" dirty="0">
+              <a:solidFill>
+                <a:schemeClr val="tx1"/>
+              </a:solidFill>
+            </a:endParaRPr>
+          </a:p>
+        </p:txBody>
+      </p:sp>
+      <p:cxnSp>
+        <p:nvCxnSpPr>
+          <p:cNvPr id="19" name="直線矢印コネクタ 18"/>
+          <p:cNvCxnSpPr/>
+          <p:nvPr/>
+        </p:nvCxnSpPr>
+        <p:spPr>
+          <a:xfrm flipV="1">
+            <a:off x="4589070" y="6287591"/>
+            <a:ext cx="1044000" cy="0"/>
           </a:xfrm>
           <a:prstGeom prst="straightConnector1">
             <a:avLst/>
